--- a/materials/slides/ch04/02 HttpClient.pptx
+++ b/materials/slides/ch04/02 HttpClient.pptx
@@ -216,7 +216,7 @@
           <a:p>
             <a:fld id="{E45DE43E-AE57-4683-A429-3F46F1978ACA}" type="datetimeFigureOut">
               <a:rPr lang="zh-CN" altLang="en-US" smtClean="0"/>
-              <a:t>2019/8/26</a:t>
+              <a:t>2019/9/9</a:t>
             </a:fld>
             <a:endParaRPr lang="zh-CN" altLang="en-US"/>
           </a:p>
@@ -1298,10 +1298,6 @@
           <a:bodyPr/>
           <a:lstStyle/>
           <a:p>
-            <a:r>
-              <a:rPr lang="zh-CN" altLang="en-US" dirty="0" smtClean="0"/>
-              <a:t>必须要发送正文，要与接口的格式保持一致</a:t>
-            </a:r>
             <a:endParaRPr lang="zh-CN" altLang="en-US" dirty="0"/>
           </a:p>
         </p:txBody>
@@ -1647,7 +1643,7 @@
           <a:p>
             <a:fld id="{530820CF-B880-4189-942D-D702A7CBA730}" type="datetimeFigureOut">
               <a:rPr lang="zh-CN" altLang="en-US" smtClean="0"/>
-              <a:t>2019/8/26</a:t>
+              <a:t>2019/9/9</a:t>
             </a:fld>
             <a:endParaRPr lang="zh-CN" altLang="en-US"/>
           </a:p>
@@ -2045,7 +2041,7 @@
           <a:p>
             <a:fld id="{530820CF-B880-4189-942D-D702A7CBA730}" type="datetimeFigureOut">
               <a:rPr lang="zh-CN" altLang="en-US" smtClean="0"/>
-              <a:t>2019/8/26</a:t>
+              <a:t>2019/9/9</a:t>
             </a:fld>
             <a:endParaRPr lang="zh-CN" altLang="en-US"/>
           </a:p>
@@ -2591,7 +2587,7 @@
           <a:p>
             <a:fld id="{530820CF-B880-4189-942D-D702A7CBA730}" type="datetimeFigureOut">
               <a:rPr lang="zh-CN" altLang="en-US" smtClean="0"/>
-              <a:t>2019/8/26</a:t>
+              <a:t>2019/9/9</a:t>
             </a:fld>
             <a:endParaRPr lang="zh-CN" altLang="en-US"/>
           </a:p>
@@ -8284,7 +8280,7 @@
               </a:lnSpc>
             </a:pPr>
             <a:r>
-              <a:rPr lang="en-US" altLang="zh-CN" dirty="0" smtClean="0">
+              <a:rPr lang="en-US" altLang="zh-CN" smtClean="0">
                 <a:solidFill>
                   <a:srgbClr val="FF0000"/>
                 </a:solidFill>
@@ -10575,7 +10571,7 @@
               <a:t>cookie</a:t>
             </a:r>
             <a:r>
-              <a:rPr lang="zh-CN" altLang="en-US" sz="2800" dirty="0"/>
+              <a:rPr lang="zh-CN" altLang="en-US" sz="2800" dirty="0" smtClean="0"/>
               <a:t>等</a:t>
             </a:r>
             <a:endParaRPr lang="en-US" altLang="zh-CN" sz="2800" dirty="0"/>
